--- a/Images/Figures_PPT/FilteredPieWithRictor.pptx
+++ b/Images/Figures_PPT/FilteredPieWithRictor.pptx
@@ -2299,191 +2299,191 @@
           <p:spPr>
             <a:xfrm>
               <a:off x="5486400" y="1749568"/>
-              <a:ext cx="2155715" cy="2473613"/>
+              <a:ext cx="2169235" cy="2473613"/>
             </a:xfrm>
             <a:custGeom>
               <a:avLst/>
               <a:pathLst>
-                <a:path w="2155715" h="2473613">
+                <a:path w="2169235" h="2473613">
                   <a:moveTo>
                     <a:pt x="0" y="2473613"/>
                   </a:moveTo>
                   <a:lnTo>
-                    <a:pt x="74335" y="2431782"/>
-                  </a:lnTo>
-                  <a:lnTo>
-                    <a:pt x="148670" y="2389950"/>
-                  </a:lnTo>
-                  <a:lnTo>
-                    <a:pt x="223005" y="2348118"/>
-                  </a:lnTo>
-                  <a:lnTo>
-                    <a:pt x="297340" y="2306287"/>
-                  </a:lnTo>
-                  <a:lnTo>
-                    <a:pt x="371675" y="2264455"/>
-                  </a:lnTo>
-                  <a:lnTo>
-                    <a:pt x="446010" y="2222623"/>
-                  </a:lnTo>
-                  <a:lnTo>
-                    <a:pt x="520345" y="2180792"/>
-                  </a:lnTo>
-                  <a:lnTo>
-                    <a:pt x="594680" y="2138960"/>
-                  </a:lnTo>
-                  <a:lnTo>
-                    <a:pt x="669015" y="2097128"/>
-                  </a:lnTo>
-                  <a:lnTo>
-                    <a:pt x="743350" y="2055297"/>
-                  </a:lnTo>
-                  <a:lnTo>
-                    <a:pt x="817685" y="2013465"/>
-                  </a:lnTo>
-                  <a:lnTo>
-                    <a:pt x="892020" y="1971633"/>
-                  </a:lnTo>
-                  <a:lnTo>
-                    <a:pt x="966355" y="1929802"/>
-                  </a:lnTo>
-                  <a:lnTo>
-                    <a:pt x="1040690" y="1887970"/>
-                  </a:lnTo>
-                  <a:lnTo>
-                    <a:pt x="1115025" y="1846138"/>
-                  </a:lnTo>
-                  <a:lnTo>
-                    <a:pt x="1189360" y="1804307"/>
-                  </a:lnTo>
-                  <a:lnTo>
-                    <a:pt x="1263695" y="1762475"/>
-                  </a:lnTo>
-                  <a:lnTo>
-                    <a:pt x="1338030" y="1720643"/>
-                  </a:lnTo>
-                  <a:lnTo>
-                    <a:pt x="1412365" y="1678812"/>
-                  </a:lnTo>
-                  <a:lnTo>
-                    <a:pt x="1486700" y="1636980"/>
-                  </a:lnTo>
-                  <a:lnTo>
-                    <a:pt x="1561035" y="1595148"/>
-                  </a:lnTo>
-                  <a:lnTo>
-                    <a:pt x="1635370" y="1553317"/>
-                  </a:lnTo>
-                  <a:lnTo>
-                    <a:pt x="1709705" y="1511485"/>
-                  </a:lnTo>
-                  <a:lnTo>
-                    <a:pt x="1784040" y="1469653"/>
-                  </a:lnTo>
-                  <a:lnTo>
-                    <a:pt x="1858375" y="1427822"/>
-                  </a:lnTo>
-                  <a:lnTo>
-                    <a:pt x="1932710" y="1385990"/>
-                  </a:lnTo>
-                  <a:lnTo>
-                    <a:pt x="2007045" y="1344158"/>
-                  </a:lnTo>
-                  <a:lnTo>
-                    <a:pt x="2081380" y="1302327"/>
-                  </a:lnTo>
-                  <a:lnTo>
-                    <a:pt x="2155715" y="1260495"/>
-                  </a:lnTo>
-                  <a:lnTo>
-                    <a:pt x="2113056" y="1187628"/>
-                  </a:lnTo>
-                  <a:lnTo>
-                    <a:pt x="2067935" y="1116260"/>
-                  </a:lnTo>
-                  <a:lnTo>
-                    <a:pt x="2020404" y="1046473"/>
-                  </a:lnTo>
-                  <a:lnTo>
-                    <a:pt x="1970520" y="978349"/>
-                  </a:lnTo>
-                  <a:lnTo>
-                    <a:pt x="1918339" y="911967"/>
-                  </a:lnTo>
-                  <a:lnTo>
-                    <a:pt x="1863923" y="847405"/>
-                  </a:lnTo>
-                  <a:lnTo>
-                    <a:pt x="1807336" y="784737"/>
-                  </a:lnTo>
-                  <a:lnTo>
-                    <a:pt x="1748642" y="724038"/>
-                  </a:lnTo>
-                  <a:lnTo>
-                    <a:pt x="1687911" y="665377"/>
-                  </a:lnTo>
-                  <a:lnTo>
-                    <a:pt x="1625214" y="608823"/>
-                  </a:lnTo>
-                  <a:lnTo>
-                    <a:pt x="1560622" y="554441"/>
-                  </a:lnTo>
-                  <a:lnTo>
-                    <a:pt x="1494213" y="502296"/>
-                  </a:lnTo>
-                  <a:lnTo>
-                    <a:pt x="1426062" y="452448"/>
-                  </a:lnTo>
-                  <a:lnTo>
-                    <a:pt x="1356250" y="404954"/>
-                  </a:lnTo>
-                  <a:lnTo>
-                    <a:pt x="1284857" y="359871"/>
-                  </a:lnTo>
-                  <a:lnTo>
-                    <a:pt x="1211968" y="317251"/>
-                  </a:lnTo>
-                  <a:lnTo>
-                    <a:pt x="1137666" y="277143"/>
-                  </a:lnTo>
-                  <a:lnTo>
-                    <a:pt x="1062039" y="239595"/>
-                  </a:lnTo>
-                  <a:lnTo>
-                    <a:pt x="985174" y="204650"/>
-                  </a:lnTo>
-                  <a:lnTo>
-                    <a:pt x="907162" y="172348"/>
-                  </a:lnTo>
-                  <a:lnTo>
-                    <a:pt x="828092" y="142728"/>
-                  </a:lnTo>
-                  <a:lnTo>
-                    <a:pt x="748058" y="115823"/>
-                  </a:lnTo>
-                  <a:lnTo>
-                    <a:pt x="667152" y="91666"/>
-                  </a:lnTo>
-                  <a:lnTo>
-                    <a:pt x="585468" y="70284"/>
-                  </a:lnTo>
-                  <a:lnTo>
-                    <a:pt x="503103" y="51702"/>
-                  </a:lnTo>
-                  <a:lnTo>
-                    <a:pt x="420151" y="35943"/>
-                  </a:lnTo>
-                  <a:lnTo>
-                    <a:pt x="336710" y="23023"/>
-                  </a:lnTo>
-                  <a:lnTo>
-                    <a:pt x="252876" y="12959"/>
-                  </a:lnTo>
-                  <a:lnTo>
-                    <a:pt x="168748" y="5762"/>
-                  </a:lnTo>
-                  <a:lnTo>
-                    <a:pt x="84423" y="1441"/>
+                    <a:pt x="74801" y="2432621"/>
+                  </a:lnTo>
+                  <a:lnTo>
+                    <a:pt x="149602" y="2391629"/>
+                  </a:lnTo>
+                  <a:lnTo>
+                    <a:pt x="224403" y="2350637"/>
+                  </a:lnTo>
+                  <a:lnTo>
+                    <a:pt x="299204" y="2309645"/>
+                  </a:lnTo>
+                  <a:lnTo>
+                    <a:pt x="374006" y="2268652"/>
+                  </a:lnTo>
+                  <a:lnTo>
+                    <a:pt x="448807" y="2227660"/>
+                  </a:lnTo>
+                  <a:lnTo>
+                    <a:pt x="523608" y="2186668"/>
+                  </a:lnTo>
+                  <a:lnTo>
+                    <a:pt x="598409" y="2145676"/>
+                  </a:lnTo>
+                  <a:lnTo>
+                    <a:pt x="673211" y="2104684"/>
+                  </a:lnTo>
+                  <a:lnTo>
+                    <a:pt x="748012" y="2063691"/>
+                  </a:lnTo>
+                  <a:lnTo>
+                    <a:pt x="822813" y="2022699"/>
+                  </a:lnTo>
+                  <a:lnTo>
+                    <a:pt x="897614" y="1981707"/>
+                  </a:lnTo>
+                  <a:lnTo>
+                    <a:pt x="972415" y="1940715"/>
+                  </a:lnTo>
+                  <a:lnTo>
+                    <a:pt x="1047217" y="1899723"/>
+                  </a:lnTo>
+                  <a:lnTo>
+                    <a:pt x="1122018" y="1858730"/>
+                  </a:lnTo>
+                  <a:lnTo>
+                    <a:pt x="1196819" y="1817738"/>
+                  </a:lnTo>
+                  <a:lnTo>
+                    <a:pt x="1271620" y="1776746"/>
+                  </a:lnTo>
+                  <a:lnTo>
+                    <a:pt x="1346422" y="1735754"/>
+                  </a:lnTo>
+                  <a:lnTo>
+                    <a:pt x="1421223" y="1694762"/>
+                  </a:lnTo>
+                  <a:lnTo>
+                    <a:pt x="1496024" y="1653769"/>
+                  </a:lnTo>
+                  <a:lnTo>
+                    <a:pt x="1570825" y="1612777"/>
+                  </a:lnTo>
+                  <a:lnTo>
+                    <a:pt x="1645626" y="1571785"/>
+                  </a:lnTo>
+                  <a:lnTo>
+                    <a:pt x="1720428" y="1530793"/>
+                  </a:lnTo>
+                  <a:lnTo>
+                    <a:pt x="1795229" y="1489801"/>
+                  </a:lnTo>
+                  <a:lnTo>
+                    <a:pt x="1870030" y="1448808"/>
+                  </a:lnTo>
+                  <a:lnTo>
+                    <a:pt x="1944831" y="1407816"/>
+                  </a:lnTo>
+                  <a:lnTo>
+                    <a:pt x="2019633" y="1366824"/>
+                  </a:lnTo>
+                  <a:lnTo>
+                    <a:pt x="2094434" y="1325832"/>
+                  </a:lnTo>
+                  <a:lnTo>
+                    <a:pt x="2169235" y="1284840"/>
+                  </a:lnTo>
+                  <a:lnTo>
+                    <a:pt x="2126941" y="1210725"/>
+                  </a:lnTo>
+                  <a:lnTo>
+                    <a:pt x="2082115" y="1138113"/>
+                  </a:lnTo>
+                  <a:lnTo>
+                    <a:pt x="2034811" y="1067090"/>
+                  </a:lnTo>
+                  <a:lnTo>
+                    <a:pt x="1985086" y="997742"/>
+                  </a:lnTo>
+                  <a:lnTo>
+                    <a:pt x="1932998" y="930149"/>
+                  </a:lnTo>
+                  <a:lnTo>
+                    <a:pt x="1878610" y="864394"/>
+                  </a:lnTo>
+                  <a:lnTo>
+                    <a:pt x="1821986" y="800553"/>
+                  </a:lnTo>
+                  <a:lnTo>
+                    <a:pt x="1763194" y="738704"/>
+                  </a:lnTo>
+                  <a:lnTo>
+                    <a:pt x="1702304" y="678920"/>
+                  </a:lnTo>
+                  <a:lnTo>
+                    <a:pt x="1639387" y="621271"/>
+                  </a:lnTo>
+                  <a:lnTo>
+                    <a:pt x="1574520" y="565827"/>
+                  </a:lnTo>
+                  <a:lnTo>
+                    <a:pt x="1507779" y="512653"/>
+                  </a:lnTo>
+                  <a:lnTo>
+                    <a:pt x="1439243" y="461813"/>
+                  </a:lnTo>
+                  <a:lnTo>
+                    <a:pt x="1368995" y="413367"/>
+                  </a:lnTo>
+                  <a:lnTo>
+                    <a:pt x="1297117" y="367372"/>
+                  </a:lnTo>
+                  <a:lnTo>
+                    <a:pt x="1223696" y="323885"/>
+                  </a:lnTo>
+                  <a:lnTo>
+                    <a:pt x="1148819" y="282956"/>
+                  </a:lnTo>
+                  <a:lnTo>
+                    <a:pt x="1072574" y="244634"/>
+                  </a:lnTo>
+                  <a:lnTo>
+                    <a:pt x="995053" y="208964"/>
+                  </a:lnTo>
+                  <a:lnTo>
+                    <a:pt x="916347" y="175990"/>
+                  </a:lnTo>
+                  <a:lnTo>
+                    <a:pt x="836551" y="145750"/>
+                  </a:lnTo>
+                  <a:lnTo>
+                    <a:pt x="755760" y="118281"/>
+                  </a:lnTo>
+                  <a:lnTo>
+                    <a:pt x="674069" y="93614"/>
+                  </a:lnTo>
+                  <a:lnTo>
+                    <a:pt x="591576" y="71780"/>
+                  </a:lnTo>
+                  <a:lnTo>
+                    <a:pt x="508379" y="52804"/>
+                  </a:lnTo>
+                  <a:lnTo>
+                    <a:pt x="424576" y="36710"/>
+                  </a:lnTo>
+                  <a:lnTo>
+                    <a:pt x="340269" y="23515"/>
+                  </a:lnTo>
+                  <a:lnTo>
+                    <a:pt x="255557" y="13236"/>
+                  </a:lnTo>
+                  <a:lnTo>
+                    <a:pt x="170540" y="5885"/>
+                  </a:lnTo>
+                  <a:lnTo>
+                    <a:pt x="85321" y="1471"/>
                   </a:lnTo>
                   <a:lnTo>
                     <a:pt x="0" y="0"/>
@@ -2605,555 +2605,552 @@
           </p:nvSpPr>
           <p:spPr>
             <a:xfrm>
-              <a:off x="3012810" y="3010064"/>
-              <a:ext cx="4947179" cy="3686377"/>
+              <a:off x="3012869" y="3034408"/>
+              <a:ext cx="4947060" cy="3662387"/>
             </a:xfrm>
             <a:custGeom>
               <a:avLst/>
               <a:pathLst>
-                <a:path w="4947179" h="3686377">
+                <a:path w="4947060" h="3662387">
                   <a:moveTo>
-                    <a:pt x="2473589" y="1213118"/>
+                    <a:pt x="2473530" y="1188773"/>
                   </a:moveTo>
                   <a:lnTo>
-                    <a:pt x="2399254" y="1171286"/>
-                  </a:lnTo>
-                  <a:lnTo>
-                    <a:pt x="2324919" y="1129455"/>
-                  </a:lnTo>
-                  <a:lnTo>
-                    <a:pt x="2250584" y="1087623"/>
-                  </a:lnTo>
-                  <a:lnTo>
-                    <a:pt x="2176249" y="1045791"/>
-                  </a:lnTo>
-                  <a:lnTo>
-                    <a:pt x="2101914" y="1003960"/>
-                  </a:lnTo>
-                  <a:lnTo>
-                    <a:pt x="2027579" y="962128"/>
-                  </a:lnTo>
-                  <a:lnTo>
-                    <a:pt x="1953244" y="920296"/>
-                  </a:lnTo>
-                  <a:lnTo>
-                    <a:pt x="1878909" y="878465"/>
-                  </a:lnTo>
-                  <a:lnTo>
-                    <a:pt x="1804574" y="836633"/>
-                  </a:lnTo>
-                  <a:lnTo>
-                    <a:pt x="1730239" y="794801"/>
-                  </a:lnTo>
-                  <a:lnTo>
-                    <a:pt x="1655904" y="752970"/>
-                  </a:lnTo>
-                  <a:lnTo>
-                    <a:pt x="1581569" y="711138"/>
-                  </a:lnTo>
-                  <a:lnTo>
-                    <a:pt x="1507234" y="669306"/>
-                  </a:lnTo>
-                  <a:lnTo>
-                    <a:pt x="1432899" y="627475"/>
-                  </a:lnTo>
-                  <a:lnTo>
-                    <a:pt x="1358564" y="585643"/>
-                  </a:lnTo>
-                  <a:lnTo>
-                    <a:pt x="1284229" y="543811"/>
-                  </a:lnTo>
-                  <a:lnTo>
-                    <a:pt x="1209894" y="501980"/>
-                  </a:lnTo>
-                  <a:lnTo>
-                    <a:pt x="1135559" y="460148"/>
-                  </a:lnTo>
-                  <a:lnTo>
-                    <a:pt x="1061224" y="418316"/>
-                  </a:lnTo>
-                  <a:lnTo>
-                    <a:pt x="986889" y="376485"/>
-                  </a:lnTo>
-                  <a:lnTo>
-                    <a:pt x="912554" y="334653"/>
-                  </a:lnTo>
-                  <a:lnTo>
-                    <a:pt x="838219" y="292821"/>
-                  </a:lnTo>
-                  <a:lnTo>
-                    <a:pt x="763884" y="250990"/>
-                  </a:lnTo>
-                  <a:lnTo>
-                    <a:pt x="689549" y="209158"/>
-                  </a:lnTo>
-                  <a:lnTo>
-                    <a:pt x="615214" y="167326"/>
-                  </a:lnTo>
-                  <a:lnTo>
-                    <a:pt x="540879" y="125495"/>
-                  </a:lnTo>
-                  <a:lnTo>
-                    <a:pt x="466544" y="83663"/>
-                  </a:lnTo>
-                  <a:lnTo>
-                    <a:pt x="392209" y="41831"/>
-                  </a:lnTo>
-                  <a:lnTo>
-                    <a:pt x="317874" y="0"/>
-                  </a:lnTo>
-                  <a:lnTo>
-                    <a:pt x="278023" y="73708"/>
-                  </a:lnTo>
-                  <a:lnTo>
-                    <a:pt x="240691" y="148725"/>
-                  </a:lnTo>
-                  <a:lnTo>
-                    <a:pt x="205922" y="224963"/>
-                  </a:lnTo>
-                  <a:lnTo>
-                    <a:pt x="173754" y="302334"/>
-                  </a:lnTo>
-                  <a:lnTo>
-                    <a:pt x="144226" y="380751"/>
-                  </a:lnTo>
-                  <a:lnTo>
-                    <a:pt x="117371" y="460123"/>
-                  </a:lnTo>
-                  <a:lnTo>
-                    <a:pt x="93219" y="540359"/>
-                  </a:lnTo>
-                  <a:lnTo>
-                    <a:pt x="71799" y="621367"/>
-                  </a:lnTo>
-                  <a:lnTo>
-                    <a:pt x="53134" y="703054"/>
-                  </a:lnTo>
-                  <a:lnTo>
-                    <a:pt x="37248" y="785326"/>
-                  </a:lnTo>
-                  <a:lnTo>
-                    <a:pt x="24156" y="868089"/>
-                  </a:lnTo>
-                  <a:lnTo>
-                    <a:pt x="13876" y="951248"/>
-                  </a:lnTo>
-                  <a:lnTo>
-                    <a:pt x="6418" y="1034708"/>
-                  </a:lnTo>
-                  <a:lnTo>
-                    <a:pt x="1790" y="1118372"/>
-                  </a:lnTo>
-                  <a:lnTo>
-                    <a:pt x="0" y="1202145"/>
-                  </a:lnTo>
-                  <a:lnTo>
-                    <a:pt x="1047" y="1285930"/>
-                  </a:lnTo>
-                  <a:lnTo>
-                    <a:pt x="4932" y="1369632"/>
-                  </a:lnTo>
-                  <a:lnTo>
-                    <a:pt x="11649" y="1453154"/>
-                  </a:lnTo>
-                  <a:lnTo>
-                    <a:pt x="21192" y="1536401"/>
-                  </a:lnTo>
-                  <a:lnTo>
-                    <a:pt x="33548" y="1619277"/>
-                  </a:lnTo>
-                  <a:lnTo>
-                    <a:pt x="48704" y="1701687"/>
-                  </a:lnTo>
-                  <a:lnTo>
-                    <a:pt x="66643" y="1783537"/>
-                  </a:lnTo>
-                  <a:lnTo>
-                    <a:pt x="87344" y="1864731"/>
-                  </a:lnTo>
-                  <a:lnTo>
-                    <a:pt x="110783" y="1945178"/>
-                  </a:lnTo>
-                  <a:lnTo>
-                    <a:pt x="136933" y="2024785"/>
-                  </a:lnTo>
-                  <a:lnTo>
-                    <a:pt x="165764" y="2103461"/>
-                  </a:lnTo>
-                  <a:lnTo>
-                    <a:pt x="197244" y="2181115"/>
-                  </a:lnTo>
-                  <a:lnTo>
-                    <a:pt x="231336" y="2257658"/>
-                  </a:lnTo>
-                  <a:lnTo>
-                    <a:pt x="268000" y="2333003"/>
-                  </a:lnTo>
-                  <a:lnTo>
-                    <a:pt x="307195" y="2407063"/>
-                  </a:lnTo>
-                  <a:lnTo>
-                    <a:pt x="348877" y="2479752"/>
-                  </a:lnTo>
-                  <a:lnTo>
-                    <a:pt x="392996" y="2550989"/>
-                  </a:lnTo>
-                  <a:lnTo>
-                    <a:pt x="439503" y="2620690"/>
-                  </a:lnTo>
-                  <a:lnTo>
-                    <a:pt x="488343" y="2688776"/>
-                  </a:lnTo>
-                  <a:lnTo>
-                    <a:pt x="539462" y="2755168"/>
-                  </a:lnTo>
-                  <a:lnTo>
-                    <a:pt x="592800" y="2819791"/>
-                  </a:lnTo>
-                  <a:lnTo>
-                    <a:pt x="648297" y="2882571"/>
-                  </a:lnTo>
-                  <a:lnTo>
-                    <a:pt x="705887" y="2943435"/>
-                  </a:lnTo>
-                  <a:lnTo>
-                    <a:pt x="765506" y="3002313"/>
-                  </a:lnTo>
-                  <a:lnTo>
-                    <a:pt x="827086" y="3059138"/>
-                  </a:lnTo>
-                  <a:lnTo>
-                    <a:pt x="890554" y="3113846"/>
-                  </a:lnTo>
-                  <a:lnTo>
-                    <a:pt x="955839" y="3166372"/>
-                  </a:lnTo>
-                  <a:lnTo>
-                    <a:pt x="1022865" y="3216656"/>
-                  </a:lnTo>
-                  <a:lnTo>
-                    <a:pt x="1091557" y="3264642"/>
-                  </a:lnTo>
-                  <a:lnTo>
-                    <a:pt x="1161834" y="3310274"/>
-                  </a:lnTo>
-                  <a:lnTo>
-                    <a:pt x="1233616" y="3353499"/>
-                  </a:lnTo>
-                  <a:lnTo>
-                    <a:pt x="1306821" y="3394268"/>
-                  </a:lnTo>
-                  <a:lnTo>
-                    <a:pt x="1381365" y="3432535"/>
-                  </a:lnTo>
-                  <a:lnTo>
-                    <a:pt x="1457162" y="3468255"/>
-                  </a:lnTo>
-                  <a:lnTo>
-                    <a:pt x="1534125" y="3501387"/>
-                  </a:lnTo>
-                  <a:lnTo>
-                    <a:pt x="1612167" y="3531893"/>
-                  </a:lnTo>
-                  <a:lnTo>
-                    <a:pt x="1691197" y="3559738"/>
-                  </a:lnTo>
-                  <a:lnTo>
-                    <a:pt x="1771124" y="3584891"/>
-                  </a:lnTo>
-                  <a:lnTo>
-                    <a:pt x="1851858" y="3607323"/>
-                  </a:lnTo>
-                  <a:lnTo>
-                    <a:pt x="1933305" y="3627007"/>
-                  </a:lnTo>
-                  <a:lnTo>
-                    <a:pt x="2015373" y="3643921"/>
-                  </a:lnTo>
-                  <a:lnTo>
-                    <a:pt x="2097966" y="3658046"/>
-                  </a:lnTo>
-                  <a:lnTo>
-                    <a:pt x="2180990" y="3669365"/>
-                  </a:lnTo>
-                  <a:lnTo>
-                    <a:pt x="2264349" y="3677866"/>
-                  </a:lnTo>
-                  <a:lnTo>
-                    <a:pt x="2347949" y="3683539"/>
-                  </a:lnTo>
-                  <a:lnTo>
-                    <a:pt x="2431693" y="3686377"/>
-                  </a:lnTo>
-                  <a:lnTo>
-                    <a:pt x="2515485" y="3686377"/>
-                  </a:lnTo>
-                  <a:lnTo>
-                    <a:pt x="2599229" y="3683539"/>
-                  </a:lnTo>
-                  <a:lnTo>
-                    <a:pt x="2682829" y="3677866"/>
-                  </a:lnTo>
-                  <a:lnTo>
-                    <a:pt x="2766189" y="3669365"/>
-                  </a:lnTo>
-                  <a:lnTo>
-                    <a:pt x="2849213" y="3658046"/>
-                  </a:lnTo>
-                  <a:lnTo>
-                    <a:pt x="2931806" y="3643921"/>
-                  </a:lnTo>
-                  <a:lnTo>
-                    <a:pt x="3013873" y="3627007"/>
-                  </a:lnTo>
-                  <a:lnTo>
-                    <a:pt x="3095320" y="3607323"/>
-                  </a:lnTo>
-                  <a:lnTo>
-                    <a:pt x="3176054" y="3584891"/>
-                  </a:lnTo>
-                  <a:lnTo>
-                    <a:pt x="3255981" y="3559738"/>
-                  </a:lnTo>
-                  <a:lnTo>
-                    <a:pt x="3335011" y="3531893"/>
-                  </a:lnTo>
-                  <a:lnTo>
-                    <a:pt x="3413053" y="3501387"/>
-                  </a:lnTo>
-                  <a:lnTo>
-                    <a:pt x="3490016" y="3468255"/>
-                  </a:lnTo>
-                  <a:lnTo>
-                    <a:pt x="3565814" y="3432535"/>
-                  </a:lnTo>
-                  <a:lnTo>
-                    <a:pt x="3640357" y="3394268"/>
-                  </a:lnTo>
-                  <a:lnTo>
-                    <a:pt x="3713562" y="3353499"/>
-                  </a:lnTo>
-                  <a:lnTo>
-                    <a:pt x="3785345" y="3310274"/>
-                  </a:lnTo>
-                  <a:lnTo>
-                    <a:pt x="3855622" y="3264642"/>
-                  </a:lnTo>
-                  <a:lnTo>
-                    <a:pt x="3924313" y="3216656"/>
-                  </a:lnTo>
-                  <a:lnTo>
-                    <a:pt x="3991339" y="3166372"/>
-                  </a:lnTo>
-                  <a:lnTo>
-                    <a:pt x="4056624" y="3113846"/>
-                  </a:lnTo>
-                  <a:lnTo>
-                    <a:pt x="4120093" y="3059138"/>
-                  </a:lnTo>
-                  <a:lnTo>
-                    <a:pt x="4181672" y="3002313"/>
-                  </a:lnTo>
-                  <a:lnTo>
-                    <a:pt x="4241291" y="2943435"/>
-                  </a:lnTo>
-                  <a:lnTo>
-                    <a:pt x="4298882" y="2882571"/>
-                  </a:lnTo>
-                  <a:lnTo>
-                    <a:pt x="4354378" y="2819791"/>
-                  </a:lnTo>
-                  <a:lnTo>
-                    <a:pt x="4407716" y="2755168"/>
-                  </a:lnTo>
-                  <a:lnTo>
-                    <a:pt x="4458835" y="2688776"/>
-                  </a:lnTo>
-                  <a:lnTo>
-                    <a:pt x="4507676" y="2620690"/>
-                  </a:lnTo>
-                  <a:lnTo>
-                    <a:pt x="4554182" y="2550989"/>
-                  </a:lnTo>
-                  <a:lnTo>
-                    <a:pt x="4598302" y="2479752"/>
-                  </a:lnTo>
-                  <a:lnTo>
-                    <a:pt x="4639983" y="2407063"/>
-                  </a:lnTo>
-                  <a:lnTo>
-                    <a:pt x="4679178" y="2333003"/>
-                  </a:lnTo>
-                  <a:lnTo>
-                    <a:pt x="4715843" y="2257658"/>
-                  </a:lnTo>
-                  <a:lnTo>
-                    <a:pt x="4749934" y="2181115"/>
-                  </a:lnTo>
-                  <a:lnTo>
-                    <a:pt x="4781414" y="2103461"/>
-                  </a:lnTo>
-                  <a:lnTo>
-                    <a:pt x="4810245" y="2024785"/>
-                  </a:lnTo>
-                  <a:lnTo>
-                    <a:pt x="4836395" y="1945178"/>
-                  </a:lnTo>
-                  <a:lnTo>
-                    <a:pt x="4859834" y="1864731"/>
-                  </a:lnTo>
-                  <a:lnTo>
-                    <a:pt x="4880535" y="1783537"/>
-                  </a:lnTo>
-                  <a:lnTo>
-                    <a:pt x="4898474" y="1701687"/>
-                  </a:lnTo>
-                  <a:lnTo>
-                    <a:pt x="4913630" y="1619277"/>
-                  </a:lnTo>
-                  <a:lnTo>
-                    <a:pt x="4925987" y="1536401"/>
-                  </a:lnTo>
-                  <a:lnTo>
-                    <a:pt x="4935529" y="1453154"/>
-                  </a:lnTo>
-                  <a:lnTo>
-                    <a:pt x="4942246" y="1369632"/>
-                  </a:lnTo>
-                  <a:lnTo>
-                    <a:pt x="4946131" y="1285930"/>
-                  </a:lnTo>
-                  <a:lnTo>
-                    <a:pt x="4947179" y="1202145"/>
-                  </a:lnTo>
-                  <a:lnTo>
-                    <a:pt x="4945388" y="1118372"/>
-                  </a:lnTo>
-                  <a:lnTo>
-                    <a:pt x="4940761" y="1034708"/>
-                  </a:lnTo>
-                  <a:lnTo>
-                    <a:pt x="4933303" y="951248"/>
-                  </a:lnTo>
-                  <a:lnTo>
-                    <a:pt x="4923022" y="868089"/>
-                  </a:lnTo>
-                  <a:lnTo>
-                    <a:pt x="4909931" y="785326"/>
-                  </a:lnTo>
-                  <a:lnTo>
-                    <a:pt x="4894044" y="703054"/>
-                  </a:lnTo>
-                  <a:lnTo>
-                    <a:pt x="4875379" y="621367"/>
-                  </a:lnTo>
-                  <a:lnTo>
-                    <a:pt x="4853959" y="540359"/>
-                  </a:lnTo>
-                  <a:lnTo>
-                    <a:pt x="4829807" y="460123"/>
-                  </a:lnTo>
-                  <a:lnTo>
-                    <a:pt x="4802952" y="380751"/>
-                  </a:lnTo>
-                  <a:lnTo>
-                    <a:pt x="4773424" y="302334"/>
-                  </a:lnTo>
-                  <a:lnTo>
-                    <a:pt x="4741256" y="224963"/>
-                  </a:lnTo>
-                  <a:lnTo>
-                    <a:pt x="4706487" y="148725"/>
-                  </a:lnTo>
-                  <a:lnTo>
-                    <a:pt x="4669156" y="73708"/>
-                  </a:lnTo>
-                  <a:lnTo>
-                    <a:pt x="4629305" y="0"/>
-                  </a:lnTo>
-                  <a:lnTo>
-                    <a:pt x="4554970" y="41831"/>
-                  </a:lnTo>
-                  <a:lnTo>
-                    <a:pt x="4480635" y="83663"/>
-                  </a:lnTo>
-                  <a:lnTo>
-                    <a:pt x="4406300" y="125495"/>
-                  </a:lnTo>
-                  <a:lnTo>
-                    <a:pt x="4331965" y="167326"/>
-                  </a:lnTo>
-                  <a:lnTo>
-                    <a:pt x="4257630" y="209158"/>
-                  </a:lnTo>
-                  <a:lnTo>
-                    <a:pt x="4183295" y="250990"/>
-                  </a:lnTo>
-                  <a:lnTo>
-                    <a:pt x="4108960" y="292821"/>
-                  </a:lnTo>
-                  <a:lnTo>
-                    <a:pt x="4034625" y="334653"/>
-                  </a:lnTo>
-                  <a:lnTo>
-                    <a:pt x="3960289" y="376485"/>
-                  </a:lnTo>
-                  <a:lnTo>
-                    <a:pt x="3885954" y="418316"/>
-                  </a:lnTo>
-                  <a:lnTo>
-                    <a:pt x="3811619" y="460148"/>
-                  </a:lnTo>
-                  <a:lnTo>
-                    <a:pt x="3737284" y="501980"/>
-                  </a:lnTo>
-                  <a:lnTo>
-                    <a:pt x="3662949" y="543811"/>
-                  </a:lnTo>
-                  <a:lnTo>
-                    <a:pt x="3588614" y="585643"/>
-                  </a:lnTo>
-                  <a:lnTo>
-                    <a:pt x="3514279" y="627475"/>
-                  </a:lnTo>
-                  <a:lnTo>
-                    <a:pt x="3439944" y="669306"/>
-                  </a:lnTo>
-                  <a:lnTo>
-                    <a:pt x="3365609" y="711138"/>
-                  </a:lnTo>
-                  <a:lnTo>
-                    <a:pt x="3291274" y="752970"/>
-                  </a:lnTo>
-                  <a:lnTo>
-                    <a:pt x="3216939" y="794801"/>
-                  </a:lnTo>
-                  <a:lnTo>
-                    <a:pt x="3142604" y="836633"/>
-                  </a:lnTo>
-                  <a:lnTo>
-                    <a:pt x="3068269" y="878465"/>
-                  </a:lnTo>
-                  <a:lnTo>
-                    <a:pt x="2993934" y="920296"/>
-                  </a:lnTo>
-                  <a:lnTo>
-                    <a:pt x="2919599" y="962128"/>
-                  </a:lnTo>
-                  <a:lnTo>
-                    <a:pt x="2845264" y="1003960"/>
-                  </a:lnTo>
-                  <a:lnTo>
-                    <a:pt x="2770929" y="1045791"/>
-                  </a:lnTo>
-                  <a:lnTo>
-                    <a:pt x="2696594" y="1087623"/>
-                  </a:lnTo>
-                  <a:lnTo>
-                    <a:pt x="2622259" y="1129455"/>
-                  </a:lnTo>
-                  <a:lnTo>
-                    <a:pt x="2547924" y="1171286"/>
+                    <a:pt x="2398729" y="1147781"/>
+                  </a:lnTo>
+                  <a:lnTo>
+                    <a:pt x="2323927" y="1106789"/>
+                  </a:lnTo>
+                  <a:lnTo>
+                    <a:pt x="2249126" y="1065797"/>
+                  </a:lnTo>
+                  <a:lnTo>
+                    <a:pt x="2174325" y="1024804"/>
+                  </a:lnTo>
+                  <a:lnTo>
+                    <a:pt x="2099524" y="983812"/>
+                  </a:lnTo>
+                  <a:lnTo>
+                    <a:pt x="2024723" y="942820"/>
+                  </a:lnTo>
+                  <a:lnTo>
+                    <a:pt x="1949921" y="901828"/>
+                  </a:lnTo>
+                  <a:lnTo>
+                    <a:pt x="1875120" y="860836"/>
+                  </a:lnTo>
+                  <a:lnTo>
+                    <a:pt x="1800319" y="819843"/>
+                  </a:lnTo>
+                  <a:lnTo>
+                    <a:pt x="1725518" y="778851"/>
+                  </a:lnTo>
+                  <a:lnTo>
+                    <a:pt x="1650716" y="737859"/>
+                  </a:lnTo>
+                  <a:lnTo>
+                    <a:pt x="1575915" y="696867"/>
+                  </a:lnTo>
+                  <a:lnTo>
+                    <a:pt x="1501114" y="655875"/>
+                  </a:lnTo>
+                  <a:lnTo>
+                    <a:pt x="1426313" y="614882"/>
+                  </a:lnTo>
+                  <a:lnTo>
+                    <a:pt x="1351512" y="573890"/>
+                  </a:lnTo>
+                  <a:lnTo>
+                    <a:pt x="1276710" y="532898"/>
+                  </a:lnTo>
+                  <a:lnTo>
+                    <a:pt x="1201909" y="491906"/>
+                  </a:lnTo>
+                  <a:lnTo>
+                    <a:pt x="1127108" y="450914"/>
+                  </a:lnTo>
+                  <a:lnTo>
+                    <a:pt x="1052307" y="409921"/>
+                  </a:lnTo>
+                  <a:lnTo>
+                    <a:pt x="977505" y="368929"/>
+                  </a:lnTo>
+                  <a:lnTo>
+                    <a:pt x="902704" y="327937"/>
+                  </a:lnTo>
+                  <a:lnTo>
+                    <a:pt x="827903" y="286945"/>
+                  </a:lnTo>
+                  <a:lnTo>
+                    <a:pt x="753102" y="245953"/>
+                  </a:lnTo>
+                  <a:lnTo>
+                    <a:pt x="678300" y="204960"/>
+                  </a:lnTo>
+                  <a:lnTo>
+                    <a:pt x="603499" y="163968"/>
+                  </a:lnTo>
+                  <a:lnTo>
+                    <a:pt x="528698" y="122976"/>
+                  </a:lnTo>
+                  <a:lnTo>
+                    <a:pt x="453897" y="81984"/>
+                  </a:lnTo>
+                  <a:lnTo>
+                    <a:pt x="379096" y="40992"/>
+                  </a:lnTo>
+                  <a:lnTo>
+                    <a:pt x="304294" y="0"/>
+                  </a:lnTo>
+                  <a:lnTo>
+                    <a:pt x="265172" y="74358"/>
+                  </a:lnTo>
+                  <a:lnTo>
+                    <a:pt x="228598" y="150002"/>
+                  </a:lnTo>
+                  <a:lnTo>
+                    <a:pt x="194613" y="226845"/>
+                  </a:lnTo>
+                  <a:lnTo>
+                    <a:pt x="163259" y="304798"/>
+                  </a:lnTo>
+                  <a:lnTo>
+                    <a:pt x="134569" y="383771"/>
+                  </a:lnTo>
+                  <a:lnTo>
+                    <a:pt x="108579" y="463672"/>
+                  </a:lnTo>
+                  <a:lnTo>
+                    <a:pt x="85317" y="544410"/>
+                  </a:lnTo>
+                  <a:lnTo>
+                    <a:pt x="64810" y="625892"/>
+                  </a:lnTo>
+                  <a:lnTo>
+                    <a:pt x="47083" y="708023"/>
+                  </a:lnTo>
+                  <a:lnTo>
+                    <a:pt x="32155" y="790709"/>
+                  </a:lnTo>
+                  <a:lnTo>
+                    <a:pt x="20044" y="873854"/>
+                  </a:lnTo>
+                  <a:lnTo>
+                    <a:pt x="10764" y="957362"/>
+                  </a:lnTo>
+                  <a:lnTo>
+                    <a:pt x="4326" y="1041137"/>
+                  </a:lnTo>
+                  <a:lnTo>
+                    <a:pt x="736" y="1125083"/>
+                  </a:lnTo>
+                  <a:lnTo>
+                    <a:pt x="0" y="1209102"/>
+                  </a:lnTo>
+                  <a:lnTo>
+                    <a:pt x="2117" y="1293098"/>
+                  </a:lnTo>
+                  <a:lnTo>
+                    <a:pt x="7086" y="1376973"/>
+                  </a:lnTo>
+                  <a:lnTo>
+                    <a:pt x="14900" y="1460631"/>
+                  </a:lnTo>
+                  <a:lnTo>
+                    <a:pt x="25552" y="1543976"/>
+                  </a:lnTo>
+                  <a:lnTo>
+                    <a:pt x="39028" y="1626910"/>
+                  </a:lnTo>
+                  <a:lnTo>
+                    <a:pt x="55312" y="1709339"/>
+                  </a:lnTo>
+                  <a:lnTo>
+                    <a:pt x="74387" y="1791168"/>
+                  </a:lnTo>
+                  <a:lnTo>
+                    <a:pt x="96230" y="1872302"/>
+                  </a:lnTo>
+                  <a:lnTo>
+                    <a:pt x="120816" y="1952646"/>
+                  </a:lnTo>
+                  <a:lnTo>
+                    <a:pt x="148116" y="2032110"/>
+                  </a:lnTo>
+                  <a:lnTo>
+                    <a:pt x="178100" y="2110600"/>
+                  </a:lnTo>
+                  <a:lnTo>
+                    <a:pt x="210731" y="2188027"/>
+                  </a:lnTo>
+                  <a:lnTo>
+                    <a:pt x="245974" y="2264301"/>
+                  </a:lnTo>
+                  <a:lnTo>
+                    <a:pt x="283787" y="2339334"/>
+                  </a:lnTo>
+                  <a:lnTo>
+                    <a:pt x="324126" y="2413040"/>
+                  </a:lnTo>
+                  <a:lnTo>
+                    <a:pt x="366945" y="2485333"/>
+                  </a:lnTo>
+                  <a:lnTo>
+                    <a:pt x="412195" y="2556130"/>
+                  </a:lnTo>
+                  <a:lnTo>
+                    <a:pt x="459823" y="2625349"/>
+                  </a:lnTo>
+                  <a:lnTo>
+                    <a:pt x="509774" y="2692911"/>
+                  </a:lnTo>
+                  <a:lnTo>
+                    <a:pt x="561992" y="2758737"/>
+                  </a:lnTo>
+                  <a:lnTo>
+                    <a:pt x="616414" y="2822752"/>
+                  </a:lnTo>
+                  <a:lnTo>
+                    <a:pt x="672980" y="2884882"/>
+                  </a:lnTo>
+                  <a:lnTo>
+                    <a:pt x="731623" y="2945055"/>
+                  </a:lnTo>
+                  <a:lnTo>
+                    <a:pt x="792276" y="3003201"/>
+                  </a:lnTo>
+                  <a:lnTo>
+                    <a:pt x="854868" y="3059254"/>
+                  </a:lnTo>
+                  <a:lnTo>
+                    <a:pt x="919328" y="3113149"/>
+                  </a:lnTo>
+                  <a:lnTo>
+                    <a:pt x="985582" y="3164824"/>
+                  </a:lnTo>
+                  <a:lnTo>
+                    <a:pt x="1053552" y="3214218"/>
+                  </a:lnTo>
+                  <a:lnTo>
+                    <a:pt x="1123160" y="3261276"/>
+                  </a:lnTo>
+                  <a:lnTo>
+                    <a:pt x="1194327" y="3305942"/>
+                  </a:lnTo>
+                  <a:lnTo>
+                    <a:pt x="1266969" y="3348166"/>
+                  </a:lnTo>
+                  <a:lnTo>
+                    <a:pt x="1341004" y="3387898"/>
+                  </a:lnTo>
+                  <a:lnTo>
+                    <a:pt x="1416345" y="3425093"/>
+                  </a:lnTo>
+                  <a:lnTo>
+                    <a:pt x="1492906" y="3459707"/>
+                  </a:lnTo>
+                  <a:lnTo>
+                    <a:pt x="1570598" y="3491702"/>
+                  </a:lnTo>
+                  <a:lnTo>
+                    <a:pt x="1649333" y="3521039"/>
+                  </a:lnTo>
+                  <a:lnTo>
+                    <a:pt x="1729018" y="3547686"/>
+                  </a:lnTo>
+                  <a:lnTo>
+                    <a:pt x="1809562" y="3571610"/>
+                  </a:lnTo>
+                  <a:lnTo>
+                    <a:pt x="1890872" y="3592786"/>
+                  </a:lnTo>
+                  <a:lnTo>
+                    <a:pt x="1972855" y="3611187"/>
+                  </a:lnTo>
+                  <a:lnTo>
+                    <a:pt x="2055415" y="3626794"/>
+                  </a:lnTo>
+                  <a:lnTo>
+                    <a:pt x="2138458" y="3639588"/>
+                  </a:lnTo>
+                  <a:lnTo>
+                    <a:pt x="2221887" y="3649554"/>
+                  </a:lnTo>
+                  <a:lnTo>
+                    <a:pt x="2305606" y="3656681"/>
+                  </a:lnTo>
+                  <a:lnTo>
+                    <a:pt x="2389520" y="3660960"/>
+                  </a:lnTo>
+                  <a:lnTo>
+                    <a:pt x="2473530" y="3662387"/>
+                  </a:lnTo>
+                  <a:lnTo>
+                    <a:pt x="2557540" y="3660960"/>
+                  </a:lnTo>
+                  <a:lnTo>
+                    <a:pt x="2641453" y="3656681"/>
+                  </a:lnTo>
+                  <a:lnTo>
+                    <a:pt x="2725173" y="3649554"/>
+                  </a:lnTo>
+                  <a:lnTo>
+                    <a:pt x="2808602" y="3639588"/>
+                  </a:lnTo>
+                  <a:lnTo>
+                    <a:pt x="2891645" y="3626794"/>
+                  </a:lnTo>
+                  <a:lnTo>
+                    <a:pt x="2974205" y="3611187"/>
+                  </a:lnTo>
+                  <a:lnTo>
+                    <a:pt x="3056188" y="3592786"/>
+                  </a:lnTo>
+                  <a:lnTo>
+                    <a:pt x="3137498" y="3571610"/>
+                  </a:lnTo>
+                  <a:lnTo>
+                    <a:pt x="3218042" y="3547686"/>
+                  </a:lnTo>
+                  <a:lnTo>
+                    <a:pt x="3297727" y="3521039"/>
+                  </a:lnTo>
+                  <a:lnTo>
+                    <a:pt x="3376462" y="3491702"/>
+                  </a:lnTo>
+                  <a:lnTo>
+                    <a:pt x="3454154" y="3459707"/>
+                  </a:lnTo>
+                  <a:lnTo>
+                    <a:pt x="3530715" y="3425093"/>
+                  </a:lnTo>
+                  <a:lnTo>
+                    <a:pt x="3606056" y="3387898"/>
+                  </a:lnTo>
+                  <a:lnTo>
+                    <a:pt x="3680091" y="3348166"/>
+                  </a:lnTo>
+                  <a:lnTo>
+                    <a:pt x="3752733" y="3305942"/>
+                  </a:lnTo>
+                  <a:lnTo>
+                    <a:pt x="3823900" y="3261276"/>
+                  </a:lnTo>
+                  <a:lnTo>
+                    <a:pt x="3893508" y="3214218"/>
+                  </a:lnTo>
+                  <a:lnTo>
+                    <a:pt x="3961478" y="3164824"/>
+                  </a:lnTo>
+                  <a:lnTo>
+                    <a:pt x="4027732" y="3113149"/>
+                  </a:lnTo>
+                  <a:lnTo>
+                    <a:pt x="4092192" y="3059254"/>
+                  </a:lnTo>
+                  <a:lnTo>
+                    <a:pt x="4154784" y="3003201"/>
+                  </a:lnTo>
+                  <a:lnTo>
+                    <a:pt x="4215437" y="2945055"/>
+                  </a:lnTo>
+                  <a:lnTo>
+                    <a:pt x="4274080" y="2884882"/>
+                  </a:lnTo>
+                  <a:lnTo>
+                    <a:pt x="4330645" y="2822752"/>
+                  </a:lnTo>
+                  <a:lnTo>
+                    <a:pt x="4385068" y="2758737"/>
+                  </a:lnTo>
+                  <a:lnTo>
+                    <a:pt x="4437285" y="2692911"/>
+                  </a:lnTo>
+                  <a:lnTo>
+                    <a:pt x="4487237" y="2625349"/>
+                  </a:lnTo>
+                  <a:lnTo>
+                    <a:pt x="4534865" y="2556130"/>
+                  </a:lnTo>
+                  <a:lnTo>
+                    <a:pt x="4580115" y="2485333"/>
+                  </a:lnTo>
+                  <a:lnTo>
+                    <a:pt x="4622934" y="2413040"/>
+                  </a:lnTo>
+                  <a:lnTo>
+                    <a:pt x="4663273" y="2339334"/>
+                  </a:lnTo>
+                  <a:lnTo>
+                    <a:pt x="4701086" y="2264301"/>
+                  </a:lnTo>
+                  <a:lnTo>
+                    <a:pt x="4736328" y="2188027"/>
+                  </a:lnTo>
+                  <a:lnTo>
+                    <a:pt x="4768960" y="2110600"/>
+                  </a:lnTo>
+                  <a:lnTo>
+                    <a:pt x="4798944" y="2032110"/>
+                  </a:lnTo>
+                  <a:lnTo>
+                    <a:pt x="4826244" y="1952646"/>
+                  </a:lnTo>
+                  <a:lnTo>
+                    <a:pt x="4850830" y="1872302"/>
+                  </a:lnTo>
+                  <a:lnTo>
+                    <a:pt x="4872673" y="1791168"/>
+                  </a:lnTo>
+                  <a:lnTo>
+                    <a:pt x="4891748" y="1709339"/>
+                  </a:lnTo>
+                  <a:lnTo>
+                    <a:pt x="4908032" y="1626910"/>
+                  </a:lnTo>
+                  <a:lnTo>
+                    <a:pt x="4921508" y="1543976"/>
+                  </a:lnTo>
+                  <a:lnTo>
+                    <a:pt x="4932159" y="1460631"/>
+                  </a:lnTo>
+                  <a:lnTo>
+                    <a:pt x="4939974" y="1376973"/>
+                  </a:lnTo>
+                  <a:lnTo>
+                    <a:pt x="4944943" y="1293098"/>
+                  </a:lnTo>
+                  <a:lnTo>
+                    <a:pt x="4947060" y="1209102"/>
+                  </a:lnTo>
+                  <a:lnTo>
+                    <a:pt x="4946324" y="1125083"/>
+                  </a:lnTo>
+                  <a:lnTo>
+                    <a:pt x="4942734" y="1041137"/>
+                  </a:lnTo>
+                  <a:lnTo>
+                    <a:pt x="4936296" y="957362"/>
+                  </a:lnTo>
+                  <a:lnTo>
+                    <a:pt x="4927015" y="873854"/>
+                  </a:lnTo>
+                  <a:lnTo>
+                    <a:pt x="4914905" y="790709"/>
+                  </a:lnTo>
+                  <a:lnTo>
+                    <a:pt x="4899977" y="708023"/>
+                  </a:lnTo>
+                  <a:lnTo>
+                    <a:pt x="4882250" y="625892"/>
+                  </a:lnTo>
+                  <a:lnTo>
+                    <a:pt x="4861743" y="544410"/>
+                  </a:lnTo>
+                  <a:lnTo>
+                    <a:pt x="4838481" y="463672"/>
+                  </a:lnTo>
+                  <a:lnTo>
+                    <a:pt x="4812491" y="383771"/>
+                  </a:lnTo>
+                  <a:lnTo>
+                    <a:pt x="4783801" y="304798"/>
+                  </a:lnTo>
+                  <a:lnTo>
+                    <a:pt x="4752446" y="226845"/>
+                  </a:lnTo>
+                  <a:lnTo>
+                    <a:pt x="4718462" y="150002"/>
+                  </a:lnTo>
+                  <a:lnTo>
+                    <a:pt x="4681888" y="74358"/>
+                  </a:lnTo>
+                  <a:lnTo>
+                    <a:pt x="4642765" y="0"/>
+                  </a:lnTo>
+                  <a:lnTo>
+                    <a:pt x="4567964" y="40992"/>
+                  </a:lnTo>
+                  <a:lnTo>
+                    <a:pt x="4493163" y="81984"/>
+                  </a:lnTo>
+                  <a:lnTo>
+                    <a:pt x="4418362" y="122976"/>
+                  </a:lnTo>
+                  <a:lnTo>
+                    <a:pt x="4343561" y="163968"/>
+                  </a:lnTo>
+                  <a:lnTo>
+                    <a:pt x="4268759" y="204960"/>
+                  </a:lnTo>
+                  <a:lnTo>
+                    <a:pt x="4193958" y="245953"/>
+                  </a:lnTo>
+                  <a:lnTo>
+                    <a:pt x="4119157" y="286945"/>
+                  </a:lnTo>
+                  <a:lnTo>
+                    <a:pt x="4044356" y="327937"/>
+                  </a:lnTo>
+                  <a:lnTo>
+                    <a:pt x="3969554" y="368929"/>
+                  </a:lnTo>
+                  <a:lnTo>
+                    <a:pt x="3894753" y="409921"/>
+                  </a:lnTo>
+                  <a:lnTo>
+                    <a:pt x="3819952" y="450914"/>
+                  </a:lnTo>
+                  <a:lnTo>
+                    <a:pt x="3745151" y="491906"/>
+                  </a:lnTo>
+                  <a:lnTo>
+                    <a:pt x="3670350" y="532898"/>
+                  </a:lnTo>
+                  <a:lnTo>
+                    <a:pt x="3595548" y="573890"/>
+                  </a:lnTo>
+                  <a:lnTo>
+                    <a:pt x="3520747" y="614882"/>
+                  </a:lnTo>
+                  <a:lnTo>
+                    <a:pt x="3445946" y="655875"/>
+                  </a:lnTo>
+                  <a:lnTo>
+                    <a:pt x="3371145" y="696867"/>
+                  </a:lnTo>
+                  <a:lnTo>
+                    <a:pt x="3296343" y="737859"/>
+                  </a:lnTo>
+                  <a:lnTo>
+                    <a:pt x="3221542" y="778851"/>
+                  </a:lnTo>
+                  <a:lnTo>
+                    <a:pt x="3146741" y="819843"/>
+                  </a:lnTo>
+                  <a:lnTo>
+                    <a:pt x="3071940" y="860836"/>
+                  </a:lnTo>
+                  <a:lnTo>
+                    <a:pt x="2997138" y="901828"/>
+                  </a:lnTo>
+                  <a:lnTo>
+                    <a:pt x="2922337" y="942820"/>
+                  </a:lnTo>
+                  <a:lnTo>
+                    <a:pt x="2847536" y="983812"/>
+                  </a:lnTo>
+                  <a:lnTo>
+                    <a:pt x="2772735" y="1024804"/>
+                  </a:lnTo>
+                  <a:lnTo>
+                    <a:pt x="2697934" y="1065797"/>
+                  </a:lnTo>
+                  <a:lnTo>
+                    <a:pt x="2623132" y="1106789"/>
+                  </a:lnTo>
+                  <a:lnTo>
+                    <a:pt x="2548331" y="1147781"/>
                   </a:lnTo>
                   <a:close/>
                 </a:path>
@@ -3188,279 +3185,279 @@
           </p:nvSpPr>
           <p:spPr>
             <a:xfrm>
-              <a:off x="3330684" y="1749568"/>
-              <a:ext cx="2155715" cy="2473613"/>
+              <a:off x="3317164" y="1749568"/>
+              <a:ext cx="2169235" cy="2473613"/>
             </a:xfrm>
             <a:custGeom>
               <a:avLst/>
               <a:pathLst>
-                <a:path w="2155715" h="2473613">
+                <a:path w="2169235" h="2473613">
                   <a:moveTo>
-                    <a:pt x="2155715" y="2473613"/>
+                    <a:pt x="2169235" y="2473613"/>
                   </a:moveTo>
                   <a:lnTo>
-                    <a:pt x="2155715" y="2388316"/>
-                  </a:lnTo>
-                  <a:lnTo>
-                    <a:pt x="2155715" y="2303019"/>
-                  </a:lnTo>
-                  <a:lnTo>
-                    <a:pt x="2155715" y="2217722"/>
-                  </a:lnTo>
-                  <a:lnTo>
-                    <a:pt x="2155715" y="2132425"/>
-                  </a:lnTo>
-                  <a:lnTo>
-                    <a:pt x="2155715" y="2047128"/>
-                  </a:lnTo>
-                  <a:lnTo>
-                    <a:pt x="2155715" y="1961831"/>
-                  </a:lnTo>
-                  <a:lnTo>
-                    <a:pt x="2155715" y="1876534"/>
-                  </a:lnTo>
-                  <a:lnTo>
-                    <a:pt x="2155715" y="1791237"/>
-                  </a:lnTo>
-                  <a:lnTo>
-                    <a:pt x="2155715" y="1705940"/>
-                  </a:lnTo>
-                  <a:lnTo>
-                    <a:pt x="2155715" y="1620643"/>
-                  </a:lnTo>
-                  <a:lnTo>
-                    <a:pt x="2155715" y="1535346"/>
-                  </a:lnTo>
-                  <a:lnTo>
-                    <a:pt x="2155715" y="1450049"/>
-                  </a:lnTo>
-                  <a:lnTo>
-                    <a:pt x="2155715" y="1364752"/>
-                  </a:lnTo>
-                  <a:lnTo>
-                    <a:pt x="2155715" y="1279455"/>
-                  </a:lnTo>
-                  <a:lnTo>
-                    <a:pt x="2155715" y="1194158"/>
-                  </a:lnTo>
-                  <a:lnTo>
-                    <a:pt x="2155715" y="1108861"/>
-                  </a:lnTo>
-                  <a:lnTo>
-                    <a:pt x="2155715" y="1023564"/>
-                  </a:lnTo>
-                  <a:lnTo>
-                    <a:pt x="2155715" y="938267"/>
-                  </a:lnTo>
-                  <a:lnTo>
-                    <a:pt x="2155715" y="852970"/>
-                  </a:lnTo>
-                  <a:lnTo>
-                    <a:pt x="2155715" y="767673"/>
-                  </a:lnTo>
-                  <a:lnTo>
-                    <a:pt x="2155715" y="682376"/>
-                  </a:lnTo>
-                  <a:lnTo>
-                    <a:pt x="2155715" y="597079"/>
-                  </a:lnTo>
-                  <a:lnTo>
-                    <a:pt x="2155715" y="511782"/>
-                  </a:lnTo>
-                  <a:lnTo>
-                    <a:pt x="2155715" y="426485"/>
-                  </a:lnTo>
-                  <a:lnTo>
-                    <a:pt x="2155715" y="341188"/>
-                  </a:lnTo>
-                  <a:lnTo>
-                    <a:pt x="2155715" y="255891"/>
-                  </a:lnTo>
-                  <a:lnTo>
-                    <a:pt x="2155715" y="170594"/>
-                  </a:lnTo>
-                  <a:lnTo>
-                    <a:pt x="2155715" y="85297"/>
-                  </a:lnTo>
-                  <a:lnTo>
-                    <a:pt x="2155715" y="0"/>
-                  </a:lnTo>
-                  <a:lnTo>
-                    <a:pt x="2071292" y="1441"/>
-                  </a:lnTo>
-                  <a:lnTo>
-                    <a:pt x="1986967" y="5762"/>
-                  </a:lnTo>
-                  <a:lnTo>
-                    <a:pt x="1902839" y="12959"/>
-                  </a:lnTo>
-                  <a:lnTo>
-                    <a:pt x="1819005" y="23023"/>
-                  </a:lnTo>
-                  <a:lnTo>
-                    <a:pt x="1735564" y="35943"/>
-                  </a:lnTo>
-                  <a:lnTo>
-                    <a:pt x="1652612" y="51702"/>
-                  </a:lnTo>
-                  <a:lnTo>
-                    <a:pt x="1570246" y="70284"/>
-                  </a:lnTo>
-                  <a:lnTo>
-                    <a:pt x="1488563" y="91666"/>
-                  </a:lnTo>
-                  <a:lnTo>
-                    <a:pt x="1407657" y="115823"/>
-                  </a:lnTo>
-                  <a:lnTo>
-                    <a:pt x="1327622" y="142728"/>
-                  </a:lnTo>
-                  <a:lnTo>
-                    <a:pt x="1248553" y="172348"/>
-                  </a:lnTo>
-                  <a:lnTo>
-                    <a:pt x="1170540" y="204650"/>
-                  </a:lnTo>
-                  <a:lnTo>
-                    <a:pt x="1093676" y="239595"/>
-                  </a:lnTo>
-                  <a:lnTo>
-                    <a:pt x="1018048" y="277143"/>
-                  </a:lnTo>
-                  <a:lnTo>
-                    <a:pt x="943747" y="317251"/>
-                  </a:lnTo>
-                  <a:lnTo>
-                    <a:pt x="870857" y="359871"/>
-                  </a:lnTo>
-                  <a:lnTo>
-                    <a:pt x="799465" y="404954"/>
-                  </a:lnTo>
-                  <a:lnTo>
-                    <a:pt x="729652" y="452448"/>
-                  </a:lnTo>
-                  <a:lnTo>
-                    <a:pt x="661502" y="502296"/>
-                  </a:lnTo>
-                  <a:lnTo>
-                    <a:pt x="595092" y="554441"/>
-                  </a:lnTo>
-                  <a:lnTo>
-                    <a:pt x="530501" y="608823"/>
-                  </a:lnTo>
-                  <a:lnTo>
-                    <a:pt x="467803" y="665377"/>
-                  </a:lnTo>
-                  <a:lnTo>
-                    <a:pt x="407072" y="724038"/>
-                  </a:lnTo>
-                  <a:lnTo>
-                    <a:pt x="348379" y="784737"/>
-                  </a:lnTo>
-                  <a:lnTo>
-                    <a:pt x="291791" y="847405"/>
-                  </a:lnTo>
-                  <a:lnTo>
-                    <a:pt x="237376" y="911967"/>
-                  </a:lnTo>
-                  <a:lnTo>
-                    <a:pt x="185195" y="978349"/>
-                  </a:lnTo>
-                  <a:lnTo>
-                    <a:pt x="135310" y="1046473"/>
-                  </a:lnTo>
-                  <a:lnTo>
-                    <a:pt x="87780" y="1116260"/>
-                  </a:lnTo>
-                  <a:lnTo>
-                    <a:pt x="42659" y="1187628"/>
-                  </a:lnTo>
-                  <a:lnTo>
-                    <a:pt x="0" y="1260495"/>
-                  </a:lnTo>
-                  <a:lnTo>
-                    <a:pt x="74335" y="1302327"/>
-                  </a:lnTo>
-                  <a:lnTo>
-                    <a:pt x="148670" y="1344158"/>
-                  </a:lnTo>
-                  <a:lnTo>
-                    <a:pt x="223005" y="1385990"/>
-                  </a:lnTo>
-                  <a:lnTo>
-                    <a:pt x="297340" y="1427822"/>
-                  </a:lnTo>
-                  <a:lnTo>
-                    <a:pt x="371675" y="1469653"/>
-                  </a:lnTo>
-                  <a:lnTo>
-                    <a:pt x="446010" y="1511485"/>
-                  </a:lnTo>
-                  <a:lnTo>
-                    <a:pt x="520345" y="1553317"/>
-                  </a:lnTo>
-                  <a:lnTo>
-                    <a:pt x="594680" y="1595148"/>
-                  </a:lnTo>
-                  <a:lnTo>
-                    <a:pt x="669015" y="1636980"/>
-                  </a:lnTo>
-                  <a:lnTo>
-                    <a:pt x="743350" y="1678812"/>
-                  </a:lnTo>
-                  <a:lnTo>
-                    <a:pt x="817685" y="1720643"/>
-                  </a:lnTo>
-                  <a:lnTo>
-                    <a:pt x="892020" y="1762475"/>
-                  </a:lnTo>
-                  <a:lnTo>
-                    <a:pt x="966355" y="1804307"/>
-                  </a:lnTo>
-                  <a:lnTo>
-                    <a:pt x="1040690" y="1846138"/>
-                  </a:lnTo>
-                  <a:lnTo>
-                    <a:pt x="1115025" y="1887970"/>
-                  </a:lnTo>
-                  <a:lnTo>
-                    <a:pt x="1189360" y="1929802"/>
-                  </a:lnTo>
-                  <a:lnTo>
-                    <a:pt x="1263695" y="1971633"/>
-                  </a:lnTo>
-                  <a:lnTo>
-                    <a:pt x="1338030" y="2013465"/>
-                  </a:lnTo>
-                  <a:lnTo>
-                    <a:pt x="1412365" y="2055297"/>
-                  </a:lnTo>
-                  <a:lnTo>
-                    <a:pt x="1486700" y="2097128"/>
-                  </a:lnTo>
-                  <a:lnTo>
-                    <a:pt x="1561035" y="2138960"/>
-                  </a:lnTo>
-                  <a:lnTo>
-                    <a:pt x="1635370" y="2180792"/>
-                  </a:lnTo>
-                  <a:lnTo>
-                    <a:pt x="1709705" y="2222623"/>
-                  </a:lnTo>
-                  <a:lnTo>
-                    <a:pt x="1784040" y="2264455"/>
-                  </a:lnTo>
-                  <a:lnTo>
-                    <a:pt x="1858375" y="2306287"/>
-                  </a:lnTo>
-                  <a:lnTo>
-                    <a:pt x="1932710" y="2348118"/>
-                  </a:lnTo>
-                  <a:lnTo>
-                    <a:pt x="2007045" y="2389950"/>
-                  </a:lnTo>
-                  <a:lnTo>
-                    <a:pt x="2081380" y="2431782"/>
+                    <a:pt x="2169235" y="2388316"/>
+                  </a:lnTo>
+                  <a:lnTo>
+                    <a:pt x="2169235" y="2303019"/>
+                  </a:lnTo>
+                  <a:lnTo>
+                    <a:pt x="2169235" y="2217722"/>
+                  </a:lnTo>
+                  <a:lnTo>
+                    <a:pt x="2169235" y="2132425"/>
+                  </a:lnTo>
+                  <a:lnTo>
+                    <a:pt x="2169235" y="2047128"/>
+                  </a:lnTo>
+                  <a:lnTo>
+                    <a:pt x="2169235" y="1961831"/>
+                  </a:lnTo>
+                  <a:lnTo>
+                    <a:pt x="2169235" y="1876534"/>
+                  </a:lnTo>
+                  <a:lnTo>
+                    <a:pt x="2169235" y="1791237"/>
+                  </a:lnTo>
+                  <a:lnTo>
+                    <a:pt x="2169235" y="1705940"/>
+                  </a:lnTo>
+                  <a:lnTo>
+                    <a:pt x="2169235" y="1620643"/>
+                  </a:lnTo>
+                  <a:lnTo>
+                    <a:pt x="2169235" y="1535346"/>
+                  </a:lnTo>
+                  <a:lnTo>
+                    <a:pt x="2169235" y="1450049"/>
+                  </a:lnTo>
+                  <a:lnTo>
+                    <a:pt x="2169235" y="1364752"/>
+                  </a:lnTo>
+                  <a:lnTo>
+                    <a:pt x="2169235" y="1279455"/>
+                  </a:lnTo>
+                  <a:lnTo>
+                    <a:pt x="2169235" y="1194158"/>
+                  </a:lnTo>
+                  <a:lnTo>
+                    <a:pt x="2169235" y="1108861"/>
+                  </a:lnTo>
+                  <a:lnTo>
+                    <a:pt x="2169235" y="1023564"/>
+                  </a:lnTo>
+                  <a:lnTo>
+                    <a:pt x="2169235" y="938267"/>
+                  </a:lnTo>
+                  <a:lnTo>
+                    <a:pt x="2169235" y="852970"/>
+                  </a:lnTo>
+                  <a:lnTo>
+                    <a:pt x="2169235" y="767673"/>
+                  </a:lnTo>
+                  <a:lnTo>
+                    <a:pt x="2169235" y="682376"/>
+                  </a:lnTo>
+                  <a:lnTo>
+                    <a:pt x="2169235" y="597079"/>
+                  </a:lnTo>
+                  <a:lnTo>
+                    <a:pt x="2169235" y="511782"/>
+                  </a:lnTo>
+                  <a:lnTo>
+                    <a:pt x="2169235" y="426485"/>
+                  </a:lnTo>
+                  <a:lnTo>
+                    <a:pt x="2169235" y="341188"/>
+                  </a:lnTo>
+                  <a:lnTo>
+                    <a:pt x="2169235" y="255891"/>
+                  </a:lnTo>
+                  <a:lnTo>
+                    <a:pt x="2169235" y="170594"/>
+                  </a:lnTo>
+                  <a:lnTo>
+                    <a:pt x="2169235" y="85297"/>
+                  </a:lnTo>
+                  <a:lnTo>
+                    <a:pt x="2169235" y="0"/>
+                  </a:lnTo>
+                  <a:lnTo>
+                    <a:pt x="2083914" y="1471"/>
+                  </a:lnTo>
+                  <a:lnTo>
+                    <a:pt x="1998695" y="5885"/>
+                  </a:lnTo>
+                  <a:lnTo>
+                    <a:pt x="1913678" y="13236"/>
+                  </a:lnTo>
+                  <a:lnTo>
+                    <a:pt x="1828966" y="23515"/>
+                  </a:lnTo>
+                  <a:lnTo>
+                    <a:pt x="1744658" y="36710"/>
+                  </a:lnTo>
+                  <a:lnTo>
+                    <a:pt x="1660856" y="52804"/>
+                  </a:lnTo>
+                  <a:lnTo>
+                    <a:pt x="1577659" y="71780"/>
+                  </a:lnTo>
+                  <a:lnTo>
+                    <a:pt x="1495166" y="93614"/>
+                  </a:lnTo>
+                  <a:lnTo>
+                    <a:pt x="1413475" y="118281"/>
+                  </a:lnTo>
+                  <a:lnTo>
+                    <a:pt x="1332683" y="145750"/>
+                  </a:lnTo>
+                  <a:lnTo>
+                    <a:pt x="1252887" y="175990"/>
+                  </a:lnTo>
+                  <a:lnTo>
+                    <a:pt x="1174182" y="208964"/>
+                  </a:lnTo>
+                  <a:lnTo>
+                    <a:pt x="1096661" y="244634"/>
+                  </a:lnTo>
+                  <a:lnTo>
+                    <a:pt x="1020416" y="282956"/>
+                  </a:lnTo>
+                  <a:lnTo>
+                    <a:pt x="945538" y="323885"/>
+                  </a:lnTo>
+                  <a:lnTo>
+                    <a:pt x="872117" y="367372"/>
+                  </a:lnTo>
+                  <a:lnTo>
+                    <a:pt x="800240" y="413367"/>
+                  </a:lnTo>
+                  <a:lnTo>
+                    <a:pt x="729991" y="461813"/>
+                  </a:lnTo>
+                  <a:lnTo>
+                    <a:pt x="661456" y="512653"/>
+                  </a:lnTo>
+                  <a:lnTo>
+                    <a:pt x="594714" y="565827"/>
+                  </a:lnTo>
+                  <a:lnTo>
+                    <a:pt x="529847" y="621271"/>
+                  </a:lnTo>
+                  <a:lnTo>
+                    <a:pt x="466931" y="678920"/>
+                  </a:lnTo>
+                  <a:lnTo>
+                    <a:pt x="406040" y="738704"/>
+                  </a:lnTo>
+                  <a:lnTo>
+                    <a:pt x="347248" y="800553"/>
+                  </a:lnTo>
+                  <a:lnTo>
+                    <a:pt x="290624" y="864394"/>
+                  </a:lnTo>
+                  <a:lnTo>
+                    <a:pt x="236236" y="930149"/>
+                  </a:lnTo>
+                  <a:lnTo>
+                    <a:pt x="184149" y="997742"/>
+                  </a:lnTo>
+                  <a:lnTo>
+                    <a:pt x="134423" y="1067090"/>
+                  </a:lnTo>
+                  <a:lnTo>
+                    <a:pt x="87120" y="1138113"/>
+                  </a:lnTo>
+                  <a:lnTo>
+                    <a:pt x="42294" y="1210725"/>
+                  </a:lnTo>
+                  <a:lnTo>
+                    <a:pt x="0" y="1284840"/>
+                  </a:lnTo>
+                  <a:lnTo>
+                    <a:pt x="74801" y="1325832"/>
+                  </a:lnTo>
+                  <a:lnTo>
+                    <a:pt x="149602" y="1366824"/>
+                  </a:lnTo>
+                  <a:lnTo>
+                    <a:pt x="224403" y="1407816"/>
+                  </a:lnTo>
+                  <a:lnTo>
+                    <a:pt x="299204" y="1448808"/>
+                  </a:lnTo>
+                  <a:lnTo>
+                    <a:pt x="374006" y="1489801"/>
+                  </a:lnTo>
+                  <a:lnTo>
+                    <a:pt x="448807" y="1530793"/>
+                  </a:lnTo>
+                  <a:lnTo>
+                    <a:pt x="523608" y="1571785"/>
+                  </a:lnTo>
+                  <a:lnTo>
+                    <a:pt x="598409" y="1612777"/>
+                  </a:lnTo>
+                  <a:lnTo>
+                    <a:pt x="673211" y="1653769"/>
+                  </a:lnTo>
+                  <a:lnTo>
+                    <a:pt x="748012" y="1694762"/>
+                  </a:lnTo>
+                  <a:lnTo>
+                    <a:pt x="822813" y="1735754"/>
+                  </a:lnTo>
+                  <a:lnTo>
+                    <a:pt x="897614" y="1776746"/>
+                  </a:lnTo>
+                  <a:lnTo>
+                    <a:pt x="972415" y="1817738"/>
+                  </a:lnTo>
+                  <a:lnTo>
+                    <a:pt x="1047217" y="1858730"/>
+                  </a:lnTo>
+                  <a:lnTo>
+                    <a:pt x="1122018" y="1899723"/>
+                  </a:lnTo>
+                  <a:lnTo>
+                    <a:pt x="1196819" y="1940715"/>
+                  </a:lnTo>
+                  <a:lnTo>
+                    <a:pt x="1271620" y="1981707"/>
+                  </a:lnTo>
+                  <a:lnTo>
+                    <a:pt x="1346422" y="2022699"/>
+                  </a:lnTo>
+                  <a:lnTo>
+                    <a:pt x="1421223" y="2063691"/>
+                  </a:lnTo>
+                  <a:lnTo>
+                    <a:pt x="1496024" y="2104684"/>
+                  </a:lnTo>
+                  <a:lnTo>
+                    <a:pt x="1570825" y="2145676"/>
+                  </a:lnTo>
+                  <a:lnTo>
+                    <a:pt x="1645626" y="2186668"/>
+                  </a:lnTo>
+                  <a:lnTo>
+                    <a:pt x="1720428" y="2227660"/>
+                  </a:lnTo>
+                  <a:lnTo>
+                    <a:pt x="1795229" y="2268652"/>
+                  </a:lnTo>
+                  <a:lnTo>
+                    <a:pt x="1870030" y="2309645"/>
+                  </a:lnTo>
+                  <a:lnTo>
+                    <a:pt x="1944831" y="2350637"/>
+                  </a:lnTo>
+                  <a:lnTo>
+                    <a:pt x="2019633" y="2391629"/>
+                  </a:lnTo>
+                  <a:lnTo>
+                    <a:pt x="2094434" y="2432621"/>
                   </a:lnTo>
                   <a:close/>
                 </a:path>
@@ -3495,7 +3492,7 @@
           </p:nvSpPr>
           <p:spPr>
             <a:xfrm>
-              <a:off x="5604613" y="2878712"/>
+              <a:off x="5610613" y="2882243"/>
               <a:ext cx="1012168" cy="198283"/>
             </a:xfrm>
             <a:prstGeom prst="rect">
@@ -3541,7 +3538,7 @@
           </p:nvSpPr>
           <p:spPr>
             <a:xfrm>
-              <a:off x="5622504" y="3225642"/>
+              <a:off x="5628504" y="3229173"/>
               <a:ext cx="976386" cy="163560"/>
             </a:xfrm>
             <a:prstGeom prst="rect">
@@ -3574,7 +3571,7 @@
                   <a:latin typeface="Arial"/>
                   <a:cs typeface="Arial"/>
                 </a:rPr>
-                <a:t> 16.842 %</a:t>
+                <a:t> 17.021 %</a:t>
               </a:r>
             </a:p>
           </p:txBody>
@@ -3666,7 +3663,7 @@
                   <a:latin typeface="Arial"/>
                   <a:cs typeface="Arial"/>
                 </a:rPr>
-                <a:t> 66.316 %</a:t>
+                <a:t> 65.957 %</a:t>
               </a:r>
             </a:p>
           </p:txBody>
@@ -3679,7 +3676,7 @@
           </p:nvSpPr>
           <p:spPr>
             <a:xfrm>
-              <a:off x="4283607" y="2878712"/>
+              <a:off x="4277607" y="2882243"/>
               <a:ext cx="1156990" cy="198283"/>
             </a:xfrm>
             <a:prstGeom prst="rect">
@@ -3725,7 +3722,7 @@
           </p:nvSpPr>
           <p:spPr>
             <a:xfrm>
-              <a:off x="4373909" y="3225642"/>
+              <a:off x="4367909" y="3229173"/>
               <a:ext cx="976386" cy="163560"/>
             </a:xfrm>
             <a:prstGeom prst="rect">
@@ -3758,7 +3755,7 @@
                   <a:latin typeface="Arial"/>
                   <a:cs typeface="Arial"/>
                 </a:rPr>
-                <a:t> 16.842 %</a:t>
+                <a:t> 17.021 %</a:t>
               </a:r>
             </a:p>
           </p:txBody>
